--- a/발표자료_중안2.pptx
+++ b/발표자료_중안2.pptx
@@ -9459,8 +9459,8 @@
         </p:nvSpPr>
         <p:spPr>
           <a:xfrm>
-            <a:off x="7591979" y="1156803"/>
-            <a:ext cx="3428697" cy="1200329"/>
+            <a:off x="7567040" y="151133"/>
+            <a:ext cx="3428697" cy="2031325"/>
           </a:xfrm>
           <a:prstGeom prst="rect">
             <a:avLst/>
@@ -9531,13 +9531,80 @@
               <a:t>대면적 </a:t>
             </a:r>
             <a:r>
-              <a:rPr lang="en-US" altLang="ko-KR" b="1" dirty="0">
+              <a:rPr lang="en-US" altLang="ko-KR" b="1" dirty="0" smtClean="0">
                 <a:solidFill>
                   <a:srgbClr val="00B050"/>
                 </a:solidFill>
               </a:rPr>
-              <a:t>200  </a:t>
-            </a:r>
+              <a:t>200</a:t>
+            </a:r>
+          </a:p>
+          <a:p>
+            <a:pPr algn="ctr"/>
+            <a:r>
+              <a:rPr lang="ko-KR" altLang="en-US" b="1" dirty="0" err="1" smtClean="0">
+                <a:solidFill>
+                  <a:srgbClr val="00B050"/>
+                </a:solidFill>
+              </a:rPr>
+              <a:t>차중</a:t>
+            </a:r>
+            <a:r>
+              <a:rPr lang="ko-KR" altLang="en-US" b="1" dirty="0" smtClean="0">
+                <a:solidFill>
+                  <a:srgbClr val="00B050"/>
+                </a:solidFill>
+              </a:rPr>
+              <a:t> </a:t>
+            </a:r>
+            <a:r>
+              <a:rPr lang="en-US" altLang="ko-KR" b="1" dirty="0" smtClean="0">
+                <a:solidFill>
+                  <a:srgbClr val="00B050"/>
+                </a:solidFill>
+              </a:rPr>
+              <a:t>1200 </a:t>
+            </a:r>
+          </a:p>
+          <a:p>
+            <a:pPr algn="ctr"/>
+            <a:endParaRPr lang="en-US" altLang="ko-KR" b="1" dirty="0">
+              <a:solidFill>
+                <a:srgbClr val="00B050"/>
+              </a:solidFill>
+            </a:endParaRPr>
+          </a:p>
+          <a:p>
+            <a:pPr algn="ctr"/>
+            <a:r>
+              <a:rPr lang="ko-KR" altLang="en-US" b="1" dirty="0" err="1" smtClean="0">
+                <a:solidFill>
+                  <a:srgbClr val="00B050"/>
+                </a:solidFill>
+              </a:rPr>
+              <a:t>실행중</a:t>
+            </a:r>
+            <a:r>
+              <a:rPr lang="ko-KR" altLang="en-US" b="1" dirty="0" smtClean="0">
+                <a:solidFill>
+                  <a:srgbClr val="00B050"/>
+                </a:solidFill>
+              </a:rPr>
+              <a:t>  </a:t>
+            </a:r>
+            <a:r>
+              <a:rPr lang="en-US" altLang="ko-KR" b="1" dirty="0" smtClean="0">
+                <a:solidFill>
+                  <a:srgbClr val="00B050"/>
+                </a:solidFill>
+              </a:rPr>
+              <a:t>  </a:t>
+            </a:r>
+            <a:endParaRPr lang="en-US" altLang="ko-KR" b="1" dirty="0">
+              <a:solidFill>
+                <a:srgbClr val="00B050"/>
+              </a:solidFill>
+            </a:endParaRPr>
           </a:p>
         </p:txBody>
       </p:sp>
@@ -11077,7 +11144,7 @@
         <p:spPr>
           <a:xfrm>
             <a:off x="7122850" y="4887502"/>
-            <a:ext cx="4429700" cy="1200329"/>
+            <a:ext cx="4429700" cy="2031325"/>
           </a:xfrm>
           <a:prstGeom prst="rect">
             <a:avLst/>
@@ -11169,8 +11236,67 @@
                   <a:srgbClr val="00B050"/>
                 </a:solidFill>
               </a:rPr>
-              <a:t>200  </a:t>
-            </a:r>
+              <a:t>200 </a:t>
+            </a:r>
+            <a:endParaRPr lang="en-US" altLang="ko-KR" b="1" dirty="0">
+              <a:solidFill>
+                <a:srgbClr val="00B050"/>
+              </a:solidFill>
+            </a:endParaRPr>
+          </a:p>
+          <a:p>
+            <a:pPr algn="ctr"/>
+            <a:r>
+              <a:rPr lang="ko-KR" altLang="en-US" b="1" dirty="0" err="1" smtClean="0">
+                <a:solidFill>
+                  <a:srgbClr val="00B050"/>
+                </a:solidFill>
+              </a:rPr>
+              <a:t>차중</a:t>
+            </a:r>
+            <a:r>
+              <a:rPr lang="ko-KR" altLang="en-US" b="1" dirty="0" smtClean="0">
+                <a:solidFill>
+                  <a:srgbClr val="00B050"/>
+                </a:solidFill>
+              </a:rPr>
+              <a:t> </a:t>
+            </a:r>
+            <a:r>
+              <a:rPr lang="en-US" altLang="ko-KR" b="1" dirty="0" smtClean="0">
+                <a:solidFill>
+                  <a:srgbClr val="00B050"/>
+                </a:solidFill>
+              </a:rPr>
+              <a:t>1200 </a:t>
+            </a:r>
+          </a:p>
+          <a:p>
+            <a:pPr algn="ctr"/>
+            <a:r>
+              <a:rPr lang="en-US" altLang="ko-KR" b="1" dirty="0" smtClean="0">
+                <a:solidFill>
+                  <a:srgbClr val="00B050"/>
+                </a:solidFill>
+              </a:rPr>
+              <a:t> </a:t>
+            </a:r>
+          </a:p>
+          <a:p>
+            <a:pPr algn="ctr"/>
+            <a:r>
+              <a:rPr lang="ko-KR" altLang="en-US" b="1" dirty="0" smtClean="0">
+                <a:solidFill>
+                  <a:srgbClr val="00B050"/>
+                </a:solidFill>
+              </a:rPr>
+              <a:t>다시 실행 필요함 </a:t>
+            </a:r>
+            <a:endParaRPr lang="en-US" altLang="ko-KR" b="1" dirty="0">
+              <a:solidFill>
+                <a:srgbClr val="00B050"/>
+              </a:solidFill>
+            </a:endParaRPr>
           </a:p>
         </p:txBody>
       </p:sp>
@@ -30793,7 +30919,7 @@
         <p:spPr bwMode="auto">
           <a:xfrm>
             <a:off x="1115616" y="1556853"/>
-            <a:ext cx="10306072" cy="5016758"/>
+            <a:ext cx="10306072" cy="1815882"/>
           </a:xfrm>
           <a:prstGeom prst="rect">
             <a:avLst/>
@@ -31135,357 +31261,6 @@
             </a:endParaRPr>
           </a:p>
           <a:p>
-            <a:pPr>
-              <a:defRPr/>
-            </a:pPr>
-            <a:r>
-              <a:rPr lang="ko-KR" altLang="en-US" sz="1600" dirty="0" smtClean="0">
-                <a:solidFill>
-                  <a:srgbClr val="FF0000"/>
-                </a:solidFill>
-                <a:ea typeface="굴림" panose="020B0600000101010101" pitchFamily="50" charset="-127"/>
-              </a:rPr>
-              <a:t> </a:t>
-            </a:r>
-            <a:endParaRPr lang="en-US" altLang="ko-KR" sz="1600" dirty="0">
-              <a:solidFill>
-                <a:srgbClr val="FF0000"/>
-              </a:solidFill>
-              <a:ea typeface="굴림" panose="020B0600000101010101" pitchFamily="50" charset="-127"/>
-            </a:endParaRPr>
-          </a:p>
-          <a:p>
-            <a:pPr marL="342900" indent="-342900">
-              <a:buFont typeface="Arial" panose="020B0604020202020204" pitchFamily="34" charset="0"/>
-              <a:buChar char="•"/>
-              <a:defRPr/>
-            </a:pPr>
-            <a:r>
-              <a:rPr lang="ko-KR" altLang="en-US" sz="1600" dirty="0" smtClean="0">
-                <a:solidFill>
-                  <a:srgbClr val="FF0000"/>
-                </a:solidFill>
-                <a:ea typeface="굴림" panose="020B0600000101010101" pitchFamily="50" charset="-127"/>
-              </a:rPr>
-              <a:t> </a:t>
-            </a:r>
-            <a:r>
-              <a:rPr lang="en-US" altLang="ko-KR" sz="1600" dirty="0" smtClean="0">
-                <a:solidFill>
-                  <a:srgbClr val="FF0000"/>
-                </a:solidFill>
-                <a:ea typeface="굴림" panose="020B0600000101010101" pitchFamily="50" charset="-127"/>
-              </a:rPr>
-              <a:t>reward factor</a:t>
-            </a:r>
-            <a:r>
-              <a:rPr lang="ko-KR" altLang="en-US" sz="1600" dirty="0" smtClean="0">
-                <a:solidFill>
-                  <a:srgbClr val="FF0000"/>
-                </a:solidFill>
-                <a:ea typeface="굴림" panose="020B0600000101010101" pitchFamily="50" charset="-127"/>
-              </a:rPr>
-              <a:t> </a:t>
-            </a:r>
-            <a:r>
-              <a:rPr lang="ko-KR" altLang="en-US" sz="1600" dirty="0">
-                <a:solidFill>
-                  <a:srgbClr val="FF0000"/>
-                </a:solidFill>
-                <a:ea typeface="굴림" panose="020B0600000101010101" pitchFamily="50" charset="-127"/>
-              </a:rPr>
-              <a:t>실험</a:t>
-            </a:r>
-            <a:r>
-              <a:rPr lang="en-US" altLang="ko-KR" sz="1600" dirty="0">
-                <a:solidFill>
-                  <a:srgbClr val="FF0000"/>
-                </a:solidFill>
-                <a:ea typeface="굴림" panose="020B0600000101010101" pitchFamily="50" charset="-127"/>
-              </a:rPr>
-              <a:t>: </a:t>
-            </a:r>
-            <a:endParaRPr lang="en-US" altLang="ko-KR" sz="1600" dirty="0" smtClean="0">
-              <a:solidFill>
-                <a:srgbClr val="FF0000"/>
-              </a:solidFill>
-              <a:ea typeface="굴림" panose="020B0600000101010101" pitchFamily="50" charset="-127"/>
-            </a:endParaRPr>
-          </a:p>
-          <a:p>
-            <a:pPr marL="1085850" lvl="1" indent="-342900">
-              <a:buFont typeface="Arial" panose="020B0604020202020204" pitchFamily="34" charset="0"/>
-              <a:buChar char="•"/>
-              <a:defRPr/>
-            </a:pPr>
-            <a:r>
-              <a:rPr lang="en-US" altLang="ko-KR" sz="1600" dirty="0" smtClean="0">
-                <a:solidFill>
-                  <a:srgbClr val="FF0000"/>
-                </a:solidFill>
-                <a:ea typeface="굴림" panose="020B0600000101010101" pitchFamily="50" charset="-127"/>
-              </a:rPr>
-              <a:t>Stack </a:t>
-            </a:r>
-            <a:r>
-              <a:rPr lang="ko-KR" altLang="en-US" sz="1600" dirty="0" smtClean="0">
-                <a:solidFill>
-                  <a:srgbClr val="FF0000"/>
-                </a:solidFill>
-                <a:ea typeface="굴림" panose="020B0600000101010101" pitchFamily="50" charset="-127"/>
-              </a:rPr>
-              <a:t>사이즈</a:t>
-            </a:r>
-            <a:r>
-              <a:rPr lang="en-US" altLang="ko-KR" sz="1600" dirty="0" smtClean="0">
-                <a:solidFill>
-                  <a:srgbClr val="FF0000"/>
-                </a:solidFill>
-                <a:ea typeface="굴림" panose="020B0600000101010101" pitchFamily="50" charset="-127"/>
-              </a:rPr>
-              <a:t>: </a:t>
-            </a:r>
-          </a:p>
-          <a:p>
-            <a:pPr marL="1485900" lvl="2" indent="-342900">
-              <a:buFont typeface="Arial" panose="020B0604020202020204" pitchFamily="34" charset="0"/>
-              <a:buChar char="•"/>
-              <a:defRPr/>
-            </a:pPr>
-            <a:r>
-              <a:rPr lang="en-US" altLang="ko-KR" sz="1600" dirty="0">
-                <a:solidFill>
-                  <a:srgbClr val="FF0000"/>
-                </a:solidFill>
-                <a:ea typeface="굴림" panose="020B0600000101010101" pitchFamily="50" charset="-127"/>
-              </a:rPr>
-              <a:t>Cell number</a:t>
-            </a:r>
-            <a:r>
-              <a:rPr lang="en-US" altLang="ko-KR" sz="1600" dirty="0" smtClean="0">
-                <a:solidFill>
-                  <a:srgbClr val="FF0000"/>
-                </a:solidFill>
-                <a:ea typeface="굴림" panose="020B0600000101010101" pitchFamily="50" charset="-127"/>
-              </a:rPr>
-              <a:t>:   400</a:t>
-            </a:r>
-            <a:r>
-              <a:rPr lang="ko-KR" altLang="en-US" sz="1600" dirty="0" smtClean="0">
-                <a:solidFill>
-                  <a:srgbClr val="FF0000"/>
-                </a:solidFill>
-                <a:ea typeface="굴림" panose="020B0600000101010101" pitchFamily="50" charset="-127"/>
-              </a:rPr>
-              <a:t> </a:t>
-            </a:r>
-            <a:endParaRPr lang="en-US" altLang="ko-KR" sz="1600" dirty="0">
-              <a:solidFill>
-                <a:srgbClr val="FF0000"/>
-              </a:solidFill>
-              <a:ea typeface="굴림" panose="020B0600000101010101" pitchFamily="50" charset="-127"/>
-            </a:endParaRPr>
-          </a:p>
-          <a:p>
-            <a:pPr marL="1485900" lvl="2" indent="-342900">
-              <a:buFont typeface="Arial" panose="020B0604020202020204" pitchFamily="34" charset="0"/>
-              <a:buChar char="•"/>
-              <a:defRPr/>
-            </a:pPr>
-            <a:r>
-              <a:rPr lang="en-US" altLang="ko-KR" sz="1600" dirty="0">
-                <a:solidFill>
-                  <a:srgbClr val="FF0000"/>
-                </a:solidFill>
-                <a:ea typeface="굴림" panose="020B0600000101010101" pitchFamily="50" charset="-127"/>
-              </a:rPr>
-              <a:t>Effective area: </a:t>
-            </a:r>
-            <a:r>
-              <a:rPr lang="en-US" altLang="ko-KR" sz="1600" dirty="0" smtClean="0">
-                <a:solidFill>
-                  <a:srgbClr val="FF0000"/>
-                </a:solidFill>
-                <a:ea typeface="굴림" panose="020B0600000101010101" pitchFamily="50" charset="-127"/>
-              </a:rPr>
-              <a:t>200 </a:t>
-            </a:r>
-            <a:r>
-              <a:rPr lang="ko-KR" altLang="en-US" sz="1600" dirty="0" smtClean="0">
-                <a:solidFill>
-                  <a:srgbClr val="FF0000"/>
-                </a:solidFill>
-                <a:ea typeface="굴림" panose="020B0600000101010101" pitchFamily="50" charset="-127"/>
-              </a:rPr>
-              <a:t> </a:t>
-            </a:r>
-            <a:r>
-              <a:rPr lang="en-US" altLang="ko-KR" sz="1600" dirty="0" smtClean="0">
-                <a:solidFill>
-                  <a:srgbClr val="FF0000"/>
-                </a:solidFill>
-                <a:ea typeface="굴림" panose="020B0600000101010101" pitchFamily="50" charset="-127"/>
-              </a:rPr>
-              <a:t> </a:t>
-            </a:r>
-            <a:endParaRPr lang="en-US" altLang="ko-KR" sz="1600" dirty="0">
-              <a:solidFill>
-                <a:srgbClr val="FF0000"/>
-              </a:solidFill>
-              <a:ea typeface="굴림" panose="020B0600000101010101" pitchFamily="50" charset="-127"/>
-            </a:endParaRPr>
-          </a:p>
-          <a:p>
-            <a:pPr marL="1085850" lvl="1" indent="-342900">
-              <a:buFont typeface="Arial" panose="020B0604020202020204" pitchFamily="34" charset="0"/>
-              <a:buChar char="•"/>
-              <a:defRPr/>
-            </a:pPr>
-            <a:endParaRPr lang="en-US" altLang="ko-KR" sz="1600" dirty="0">
-              <a:solidFill>
-                <a:srgbClr val="FF0000"/>
-              </a:solidFill>
-              <a:ea typeface="굴림" panose="020B0600000101010101" pitchFamily="50" charset="-127"/>
-            </a:endParaRPr>
-          </a:p>
-          <a:p>
-            <a:pPr marL="1085850" lvl="1" indent="-342900">
-              <a:buFont typeface="Arial" panose="020B0604020202020204" pitchFamily="34" charset="0"/>
-              <a:buChar char="•"/>
-              <a:defRPr/>
-            </a:pPr>
-            <a:r>
-              <a:rPr lang="en-US" altLang="ko-KR" sz="1600" b="1" dirty="0" smtClean="0">
-                <a:solidFill>
-                  <a:srgbClr val="FF0000"/>
-                </a:solidFill>
-                <a:ea typeface="굴림" panose="020B0600000101010101" pitchFamily="50" charset="-127"/>
-              </a:rPr>
-              <a:t>Reward factor : 1  </a:t>
-            </a:r>
-            <a:r>
-              <a:rPr lang="en-US" altLang="ko-KR" sz="1600" dirty="0" smtClean="0">
-                <a:solidFill>
-                  <a:srgbClr val="FF0000"/>
-                </a:solidFill>
-                <a:ea typeface="굴림" panose="020B0600000101010101" pitchFamily="50" charset="-127"/>
-              </a:rPr>
-              <a:t> </a:t>
-            </a:r>
-            <a:endParaRPr lang="en-US" altLang="ko-KR" sz="1600" b="1" dirty="0" smtClean="0">
-              <a:solidFill>
-                <a:srgbClr val="FF0000"/>
-              </a:solidFill>
-              <a:ea typeface="굴림" panose="020B0600000101010101" pitchFamily="50" charset="-127"/>
-            </a:endParaRPr>
-          </a:p>
-          <a:p>
-            <a:pPr marL="1085850" lvl="1" indent="-342900">
-              <a:buFont typeface="Arial" panose="020B0604020202020204" pitchFamily="34" charset="0"/>
-              <a:buChar char="•"/>
-              <a:defRPr/>
-            </a:pPr>
-            <a:r>
-              <a:rPr lang="en-US" altLang="ko-KR" sz="1600" b="1" dirty="0">
-                <a:solidFill>
-                  <a:srgbClr val="FF0000"/>
-                </a:solidFill>
-                <a:ea typeface="굴림" panose="020B0600000101010101" pitchFamily="50" charset="-127"/>
-              </a:rPr>
-              <a:t>Reward factor : </a:t>
-            </a:r>
-            <a:r>
-              <a:rPr lang="en-US" altLang="ko-KR" sz="1600" b="1" dirty="0" smtClean="0">
-                <a:solidFill>
-                  <a:srgbClr val="FF0000"/>
-                </a:solidFill>
-                <a:ea typeface="굴림" panose="020B0600000101010101" pitchFamily="50" charset="-127"/>
-              </a:rPr>
-              <a:t>3</a:t>
-            </a:r>
-          </a:p>
-          <a:p>
-            <a:pPr marL="1085850" lvl="1" indent="-342900">
-              <a:buFont typeface="Arial" panose="020B0604020202020204" pitchFamily="34" charset="0"/>
-              <a:buChar char="•"/>
-              <a:defRPr/>
-            </a:pPr>
-            <a:r>
-              <a:rPr lang="en-US" altLang="ko-KR" sz="1600" b="1" dirty="0">
-                <a:solidFill>
-                  <a:srgbClr val="FF0000"/>
-                </a:solidFill>
-                <a:ea typeface="굴림" panose="020B0600000101010101" pitchFamily="50" charset="-127"/>
-              </a:rPr>
-              <a:t>Reward factor : </a:t>
-            </a:r>
-            <a:r>
-              <a:rPr lang="en-US" altLang="ko-KR" sz="1600" b="1" dirty="0" smtClean="0">
-                <a:solidFill>
-                  <a:srgbClr val="FF0000"/>
-                </a:solidFill>
-                <a:ea typeface="굴림" panose="020B0600000101010101" pitchFamily="50" charset="-127"/>
-              </a:rPr>
-              <a:t>5</a:t>
-            </a:r>
-          </a:p>
-          <a:p>
-            <a:pPr marL="1085850" lvl="1" indent="-342900">
-              <a:buFont typeface="Arial" panose="020B0604020202020204" pitchFamily="34" charset="0"/>
-              <a:buChar char="•"/>
-              <a:defRPr/>
-            </a:pPr>
-            <a:r>
-              <a:rPr lang="en-US" altLang="ko-KR" sz="1600" b="1" dirty="0">
-                <a:solidFill>
-                  <a:srgbClr val="FF0000"/>
-                </a:solidFill>
-                <a:ea typeface="굴림" panose="020B0600000101010101" pitchFamily="50" charset="-127"/>
-              </a:rPr>
-              <a:t>Reward factor : </a:t>
-            </a:r>
-            <a:r>
-              <a:rPr lang="en-US" altLang="ko-KR" sz="1600" b="1" dirty="0" smtClean="0">
-                <a:solidFill>
-                  <a:srgbClr val="FF0000"/>
-                </a:solidFill>
-                <a:ea typeface="굴림" panose="020B0600000101010101" pitchFamily="50" charset="-127"/>
-              </a:rPr>
-              <a:t>7</a:t>
-            </a:r>
-          </a:p>
-          <a:p>
-            <a:pPr marL="1085850" lvl="1" indent="-342900">
-              <a:buFont typeface="Arial" panose="020B0604020202020204" pitchFamily="34" charset="0"/>
-              <a:buChar char="•"/>
-              <a:defRPr/>
-            </a:pPr>
-            <a:r>
-              <a:rPr lang="en-US" altLang="ko-KR" sz="1600" b="1" dirty="0">
-                <a:solidFill>
-                  <a:srgbClr val="FF0000"/>
-                </a:solidFill>
-                <a:ea typeface="굴림" panose="020B0600000101010101" pitchFamily="50" charset="-127"/>
-              </a:rPr>
-              <a:t>Reward factor : </a:t>
-            </a:r>
-            <a:r>
-              <a:rPr lang="en-US" altLang="ko-KR" sz="1600" b="1" dirty="0" smtClean="0">
-                <a:solidFill>
-                  <a:srgbClr val="FF0000"/>
-                </a:solidFill>
-                <a:ea typeface="굴림" panose="020B0600000101010101" pitchFamily="50" charset="-127"/>
-              </a:rPr>
-              <a:t>10</a:t>
-            </a:r>
-            <a:endParaRPr lang="en-US" altLang="ko-KR" sz="1600" dirty="0">
-              <a:solidFill>
-                <a:srgbClr val="FF0000"/>
-              </a:solidFill>
-              <a:ea typeface="굴림" panose="020B0600000101010101" pitchFamily="50" charset="-127"/>
-            </a:endParaRPr>
-          </a:p>
-          <a:p>
             <a:pPr marL="342900" indent="-342900">
               <a:buFont typeface="Arial" panose="020B0604020202020204" pitchFamily="34" charset="0"/>
               <a:buChar char="•"/>
@@ -31504,58 +31279,6 @@
               <a:buChar char="•"/>
               <a:defRPr/>
             </a:pPr>
-            <a:r>
-              <a:rPr lang="ko-KR" altLang="en-US" sz="1600" dirty="0" smtClean="0">
-                <a:ea typeface="굴림" panose="020B0600000101010101" pitchFamily="50" charset="-127"/>
-              </a:rPr>
-              <a:t>학습 평형 상태에서의 </a:t>
-            </a:r>
-            <a:r>
-              <a:rPr lang="en-US" altLang="ko-KR" sz="1600" dirty="0" smtClean="0">
-                <a:ea typeface="굴림" panose="020B0600000101010101" pitchFamily="50" charset="-127"/>
-              </a:rPr>
-              <a:t>SOC</a:t>
-            </a:r>
-            <a:r>
-              <a:rPr lang="ko-KR" altLang="en-US" sz="1600" dirty="0" smtClean="0">
-                <a:ea typeface="굴림" panose="020B0600000101010101" pitchFamily="50" charset="-127"/>
-              </a:rPr>
-              <a:t>의 값을 토대로 </a:t>
-            </a:r>
-            <a:r>
-              <a:rPr lang="en-US" altLang="ko-KR" sz="1600" dirty="0" smtClean="0">
-                <a:ea typeface="굴림" panose="020B0600000101010101" pitchFamily="50" charset="-127"/>
-              </a:rPr>
-              <a:t>reward factor</a:t>
-            </a:r>
-            <a:r>
-              <a:rPr lang="ko-KR" altLang="en-US" sz="1600" dirty="0" smtClean="0">
-                <a:ea typeface="굴림" panose="020B0600000101010101" pitchFamily="50" charset="-127"/>
-              </a:rPr>
-              <a:t>를 조정하는 방식의 알고리즘을 활용하여 </a:t>
-            </a:r>
-            <a:r>
-              <a:rPr lang="en-US" altLang="ko-KR" sz="1600" dirty="0" smtClean="0">
-                <a:ea typeface="굴림" panose="020B0600000101010101" pitchFamily="50" charset="-127"/>
-              </a:rPr>
-              <a:t>reward factor</a:t>
-            </a:r>
-            <a:r>
-              <a:rPr lang="ko-KR" altLang="en-US" sz="1600" dirty="0" smtClean="0">
-                <a:ea typeface="굴림" panose="020B0600000101010101" pitchFamily="50" charset="-127"/>
-              </a:rPr>
-              <a:t>를 도출함 </a:t>
-            </a:r>
-            <a:endParaRPr lang="en-US" altLang="ko-KR" sz="1600" dirty="0" smtClean="0">
-              <a:ea typeface="굴림" panose="020B0600000101010101" pitchFamily="50" charset="-127"/>
-            </a:endParaRPr>
-          </a:p>
-          <a:p>
-            <a:pPr marL="342900" indent="-342900">
-              <a:buFont typeface="Arial" panose="020B0604020202020204" pitchFamily="34" charset="0"/>
-              <a:buChar char="•"/>
-              <a:defRPr/>
-            </a:pPr>
             <a:endParaRPr lang="en-US" altLang="ko-KR" sz="1600" dirty="0">
               <a:solidFill>
                 <a:srgbClr val="FF0000"/>
@@ -31573,8 +31296,8 @@
         </p:nvSpPr>
         <p:spPr>
           <a:xfrm>
-            <a:off x="5591434" y="3500721"/>
-            <a:ext cx="5342832" cy="369332"/>
+            <a:off x="570546" y="4135651"/>
+            <a:ext cx="5342832" cy="923330"/>
           </a:xfrm>
           <a:prstGeom prst="rect">
             <a:avLst/>
@@ -31599,7 +31322,77 @@
                   <a:srgbClr val="00B050"/>
                 </a:solidFill>
               </a:rPr>
-              <a:t>이론과 그림 설명 </a:t>
+              <a:t>이론과 그림 </a:t>
+            </a:r>
+            <a:r>
+              <a:rPr lang="ko-KR" altLang="en-US" b="1" dirty="0" smtClean="0">
+                <a:solidFill>
+                  <a:srgbClr val="00B050"/>
+                </a:solidFill>
+              </a:rPr>
+              <a:t>설명 </a:t>
+            </a:r>
+            <a:r>
+              <a:rPr lang="en-US" altLang="ko-KR" b="1" dirty="0" smtClean="0">
+                <a:solidFill>
+                  <a:srgbClr val="00B050"/>
+                </a:solidFill>
+              </a:rPr>
+              <a:t/>
+            </a:r>
+            <a:br>
+              <a:rPr lang="en-US" altLang="ko-KR" b="1" dirty="0" smtClean="0">
+                <a:solidFill>
+                  <a:srgbClr val="00B050"/>
+                </a:solidFill>
+              </a:rPr>
+            </a:br>
+            <a:r>
+              <a:rPr lang="en-US" altLang="ko-KR" b="1" dirty="0" smtClean="0">
+                <a:solidFill>
+                  <a:srgbClr val="00B050"/>
+                </a:solidFill>
+              </a:rPr>
+              <a:t/>
+            </a:r>
+            <a:br>
+              <a:rPr lang="en-US" altLang="ko-KR" b="1" dirty="0" smtClean="0">
+                <a:solidFill>
+                  <a:srgbClr val="00B050"/>
+                </a:solidFill>
+              </a:rPr>
+            </a:br>
+            <a:r>
+              <a:rPr lang="en-US" altLang="ko-KR" b="1" dirty="0" smtClean="0">
+                <a:solidFill>
+                  <a:srgbClr val="00B050"/>
+                </a:solidFill>
+              </a:rPr>
+              <a:t>(</a:t>
+            </a:r>
+            <a:r>
+              <a:rPr lang="ko-KR" altLang="en-US" b="1" dirty="0" smtClean="0">
+                <a:solidFill>
+                  <a:srgbClr val="00B050"/>
+                </a:solidFill>
+              </a:rPr>
+              <a:t>린스타트업과 같은 피드백 루프로 설명</a:t>
+            </a:r>
+            <a:r>
+              <a:rPr lang="en-US" altLang="ko-KR" b="1" dirty="0" smtClean="0">
+                <a:solidFill>
+                  <a:srgbClr val="00B050"/>
+                </a:solidFill>
+              </a:rPr>
+              <a:t>) </a:t>
+            </a:r>
+            <a:r>
+              <a:rPr lang="ko-KR" altLang="en-US" b="1" dirty="0" smtClean="0">
+                <a:solidFill>
+                  <a:srgbClr val="00B050"/>
+                </a:solidFill>
+              </a:rPr>
+              <a:t>  </a:t>
             </a:r>
             <a:endParaRPr lang="en-US" altLang="ko-KR" b="1" dirty="0" smtClean="0">
               <a:solidFill>

--- a/발표자료_중안2.pptx
+++ b/발표자료_중안2.pptx
@@ -6147,7 +6147,31 @@
                   <a:srgbClr val="00B050"/>
                 </a:solidFill>
               </a:rPr>
-              <a:t>실행 중</a:t>
+              <a:t>실행 </a:t>
+            </a:r>
+            <a:r>
+              <a:rPr lang="ko-KR" altLang="en-US" b="1" dirty="0" smtClean="0">
+                <a:solidFill>
+                  <a:srgbClr val="00B050"/>
+                </a:solidFill>
+              </a:rPr>
+              <a:t>완료</a:t>
+            </a:r>
+            <a:r>
+              <a:rPr lang="en-US" altLang="ko-KR" b="1" dirty="0">
+                <a:solidFill>
+                  <a:srgbClr val="00B050"/>
+                </a:solidFill>
+              </a:rPr>
+              <a:t>, </a:t>
+            </a:r>
+            <a:r>
+              <a:rPr lang="ko-KR" altLang="en-US" b="1" dirty="0" err="1" smtClean="0">
+                <a:solidFill>
+                  <a:srgbClr val="00B050"/>
+                </a:solidFill>
+              </a:rPr>
+              <a:t>데스크탑</a:t>
             </a:r>
             <a:r>
               <a:rPr lang="en-US" altLang="ko-KR" b="1" dirty="0" smtClean="0">
@@ -6157,6 +6181,11 @@
               </a:rPr>
               <a:t>) </a:t>
             </a:r>
+            <a:endParaRPr lang="en-US" altLang="ko-KR" b="1" dirty="0" smtClean="0">
+              <a:solidFill>
+                <a:srgbClr val="00B050"/>
+              </a:solidFill>
+            </a:endParaRPr>
           </a:p>
         </p:txBody>
       </p:sp>
@@ -9577,20 +9606,36 @@
           <a:p>
             <a:pPr algn="ctr"/>
             <a:r>
+              <a:rPr lang="ko-KR" altLang="en-US" b="1" dirty="0" smtClean="0">
+                <a:solidFill>
+                  <a:srgbClr val="00B050"/>
+                </a:solidFill>
+              </a:rPr>
+              <a:t>실행 완료</a:t>
+            </a:r>
+            <a:r>
+              <a:rPr lang="en-US" altLang="ko-KR" b="1" dirty="0" smtClean="0">
+                <a:solidFill>
+                  <a:srgbClr val="00B050"/>
+                </a:solidFill>
+              </a:rPr>
+              <a:t>,</a:t>
+            </a:r>
+            <a:r>
+              <a:rPr lang="ko-KR" altLang="en-US" b="1" dirty="0" smtClean="0">
+                <a:solidFill>
+                  <a:srgbClr val="00B050"/>
+                </a:solidFill>
+              </a:rPr>
+              <a:t> </a:t>
+            </a:r>
+            <a:r>
               <a:rPr lang="ko-KR" altLang="en-US" b="1" dirty="0" err="1" smtClean="0">
                 <a:solidFill>
                   <a:srgbClr val="00B050"/>
                 </a:solidFill>
               </a:rPr>
-              <a:t>실행중</a:t>
-            </a:r>
-            <a:r>
-              <a:rPr lang="ko-KR" altLang="en-US" b="1" dirty="0" smtClean="0">
-                <a:solidFill>
-                  <a:srgbClr val="00B050"/>
-                </a:solidFill>
-              </a:rPr>
-              <a:t>  </a:t>
+              <a:t>데스크탑</a:t>
             </a:r>
             <a:r>
               <a:rPr lang="en-US" altLang="ko-KR" b="1" dirty="0" smtClean="0">

--- a/발표자료_중안2.pptx
+++ b/발표자료_중안2.pptx
@@ -6147,45 +6147,32 @@
                   <a:srgbClr val="00B050"/>
                 </a:solidFill>
               </a:rPr>
-              <a:t>실행 </a:t>
-            </a:r>
-            <a:r>
-              <a:rPr lang="ko-KR" altLang="en-US" b="1" dirty="0" smtClean="0">
+              <a:t>실행 완료</a:t>
+            </a:r>
+            <a:r>
+              <a:rPr lang="en-US" altLang="ko-KR" b="1" dirty="0">
                 <a:solidFill>
                   <a:srgbClr val="00B050"/>
                 </a:solidFill>
               </a:rPr>
-              <a:t>완료</a:t>
-            </a:r>
-            <a:r>
-              <a:rPr lang="en-US" altLang="ko-KR" b="1" dirty="0">
+              <a:t>, </a:t>
+            </a:r>
+            <a:r>
+              <a:rPr lang="ko-KR" altLang="en-US" b="1" dirty="0" err="1" smtClean="0">
                 <a:solidFill>
                   <a:srgbClr val="00B050"/>
                 </a:solidFill>
               </a:rPr>
-              <a:t>, </a:t>
-            </a:r>
-            <a:r>
-              <a:rPr lang="ko-KR" altLang="en-US" b="1" dirty="0" err="1" smtClean="0">
+              <a:t>데스크탑</a:t>
+            </a:r>
+            <a:r>
+              <a:rPr lang="en-US" altLang="ko-KR" b="1" dirty="0" smtClean="0">
                 <a:solidFill>
                   <a:srgbClr val="00B050"/>
                 </a:solidFill>
               </a:rPr>
-              <a:t>데스크탑</a:t>
-            </a:r>
-            <a:r>
-              <a:rPr lang="en-US" altLang="ko-KR" b="1" dirty="0" smtClean="0">
-                <a:solidFill>
-                  <a:srgbClr val="00B050"/>
-                </a:solidFill>
-              </a:rPr>
               <a:t>) </a:t>
             </a:r>
-            <a:endParaRPr lang="en-US" altLang="ko-KR" b="1" dirty="0" smtClean="0">
-              <a:solidFill>
-                <a:srgbClr val="00B050"/>
-              </a:solidFill>
-            </a:endParaRPr>
           </a:p>
         </p:txBody>
       </p:sp>
@@ -9611,7 +9598,7 @@
                   <a:srgbClr val="00B050"/>
                 </a:solidFill>
               </a:rPr>
-              <a:t>실행 완료</a:t>
+              <a:t>다시 돌리기</a:t>
             </a:r>
             <a:r>
               <a:rPr lang="en-US" altLang="ko-KR" b="1" dirty="0" smtClean="0">
@@ -11283,11 +11270,6 @@
               </a:rPr>
               <a:t>200 </a:t>
             </a:r>
-            <a:endParaRPr lang="en-US" altLang="ko-KR" b="1" dirty="0">
-              <a:solidFill>
-                <a:srgbClr val="00B050"/>
-              </a:solidFill>
-            </a:endParaRPr>
           </a:p>
           <a:p>
             <a:pPr algn="ctr"/>
@@ -11335,7 +11317,39 @@
                   <a:srgbClr val="00B050"/>
                 </a:solidFill>
               </a:rPr>
-              <a:t>다시 실행 필요함 </a:t>
+              <a:t>실행 중</a:t>
+            </a:r>
+            <a:r>
+              <a:rPr lang="en-US" altLang="ko-KR" b="1" dirty="0" smtClean="0">
+                <a:solidFill>
+                  <a:srgbClr val="00B050"/>
+                </a:solidFill>
+              </a:rPr>
+              <a:t>, </a:t>
+            </a:r>
+            <a:r>
+              <a:rPr lang="ko-KR" altLang="en-US" b="1" dirty="0" smtClean="0">
+                <a:solidFill>
+                  <a:srgbClr val="00B050"/>
+                </a:solidFill>
+              </a:rPr>
+              <a:t>노트북 </a:t>
+            </a:r>
+            <a:r>
+              <a:rPr lang="en-US" altLang="ko-KR" b="1" dirty="0" smtClean="0">
+                <a:solidFill>
+                  <a:srgbClr val="00B050"/>
+                </a:solidFill>
+              </a:rPr>
+              <a:t>1 </a:t>
+            </a:r>
+            <a:r>
+              <a:rPr lang="ko-KR" altLang="en-US" b="1" dirty="0" smtClean="0">
+                <a:solidFill>
+                  <a:srgbClr val="00B050"/>
+                </a:solidFill>
+              </a:rPr>
+              <a:t> </a:t>
             </a:r>
             <a:endParaRPr lang="en-US" altLang="ko-KR" b="1" dirty="0">
               <a:solidFill>
@@ -13596,7 +13610,7 @@
         <p:spPr>
           <a:xfrm>
             <a:off x="508000" y="2218572"/>
-            <a:ext cx="5342832" cy="923330"/>
+            <a:ext cx="5342832" cy="1754326"/>
           </a:xfrm>
           <a:prstGeom prst="rect">
             <a:avLst/>
@@ -13685,8 +13699,88 @@
                   <a:srgbClr val="00B050"/>
                 </a:solidFill>
               </a:rPr>
-              <a:t>200  </a:t>
-            </a:r>
+              <a:t>200 </a:t>
+            </a:r>
+            <a:endParaRPr lang="en-US" altLang="ko-KR" b="1" dirty="0" smtClean="0">
+              <a:solidFill>
+                <a:srgbClr val="00B050"/>
+              </a:solidFill>
+            </a:endParaRPr>
+          </a:p>
+          <a:p>
+            <a:pPr algn="ctr"/>
+            <a:r>
+              <a:rPr lang="ko-KR" altLang="en-US" b="1" dirty="0" err="1" smtClean="0">
+                <a:solidFill>
+                  <a:srgbClr val="00B050"/>
+                </a:solidFill>
+              </a:rPr>
+              <a:t>차중</a:t>
+            </a:r>
+            <a:r>
+              <a:rPr lang="ko-KR" altLang="en-US" b="1" dirty="0" smtClean="0">
+                <a:solidFill>
+                  <a:srgbClr val="00B050"/>
+                </a:solidFill>
+              </a:rPr>
+              <a:t> </a:t>
+            </a:r>
+            <a:r>
+              <a:rPr lang="en-US" altLang="ko-KR" b="1" dirty="0" smtClean="0">
+                <a:solidFill>
+                  <a:srgbClr val="00B050"/>
+                </a:solidFill>
+              </a:rPr>
+              <a:t>1200 </a:t>
+            </a:r>
+          </a:p>
+          <a:p>
+            <a:pPr algn="ctr"/>
+            <a:endParaRPr lang="en-US" altLang="ko-KR" b="1" dirty="0">
+              <a:solidFill>
+                <a:srgbClr val="00B050"/>
+              </a:solidFill>
+            </a:endParaRPr>
+          </a:p>
+          <a:p>
+            <a:pPr algn="ctr"/>
+            <a:r>
+              <a:rPr lang="ko-KR" altLang="en-US" b="1" dirty="0" smtClean="0">
+                <a:solidFill>
+                  <a:srgbClr val="00B050"/>
+                </a:solidFill>
+              </a:rPr>
+              <a:t> 실행 중</a:t>
+            </a:r>
+            <a:r>
+              <a:rPr lang="en-US" altLang="ko-KR" b="1" dirty="0" smtClean="0">
+                <a:solidFill>
+                  <a:srgbClr val="00B050"/>
+                </a:solidFill>
+              </a:rPr>
+              <a:t>, </a:t>
+            </a:r>
+            <a:r>
+              <a:rPr lang="ko-KR" altLang="en-US" b="1" dirty="0" smtClean="0">
+                <a:solidFill>
+                  <a:srgbClr val="00B050"/>
+                </a:solidFill>
+              </a:rPr>
+              <a:t>노트북 </a:t>
+            </a:r>
+            <a:r>
+              <a:rPr lang="en-US" altLang="ko-KR" b="1" dirty="0" smtClean="0">
+                <a:solidFill>
+                  <a:srgbClr val="00B050"/>
+                </a:solidFill>
+              </a:rPr>
+              <a:t>1</a:t>
+            </a:r>
+            <a:endParaRPr lang="en-US" altLang="ko-KR" b="1" dirty="0">
+              <a:solidFill>
+                <a:srgbClr val="00B050"/>
+              </a:solidFill>
+            </a:endParaRPr>
           </a:p>
         </p:txBody>
       </p:sp>
@@ -30248,16 +30342,7 @@
                 </a:solidFill>
                 <a:ea typeface="굴림" panose="020B0600000101010101" pitchFamily="50" charset="-127"/>
               </a:rPr>
-              <a:t>fac</a:t>
-            </a:r>
-            <a:r>
-              <a:rPr lang="en-US" altLang="ko-KR" sz="1600" dirty="0" smtClean="0">
-                <a:solidFill>
-                  <a:srgbClr val="FF0000"/>
-                </a:solidFill>
-                <a:ea typeface="굴림" panose="020B0600000101010101" pitchFamily="50" charset="-127"/>
-              </a:rPr>
-              <a:t>tor</a:t>
+              <a:t>factor</a:t>
             </a:r>
             <a:r>
               <a:rPr lang="ko-KR" altLang="en-US" sz="1600" dirty="0" smtClean="0">
@@ -30522,6 +30607,46 @@
                 </a:solidFill>
               </a:rPr>
               <a:t>있음 </a:t>
+            </a:r>
+            <a:r>
+              <a:rPr lang="en-US" altLang="ko-KR" b="1" dirty="0" smtClean="0">
+                <a:solidFill>
+                  <a:srgbClr val="00B050"/>
+                </a:solidFill>
+              </a:rPr>
+              <a:t>(</a:t>
+            </a:r>
+            <a:r>
+              <a:rPr lang="ko-KR" altLang="en-US" b="1" dirty="0" smtClean="0">
+                <a:solidFill>
+                  <a:srgbClr val="00B050"/>
+                </a:solidFill>
+              </a:rPr>
+              <a:t>실행 중</a:t>
+            </a:r>
+            <a:r>
+              <a:rPr lang="en-US" altLang="ko-KR" b="1" dirty="0" smtClean="0">
+                <a:solidFill>
+                  <a:srgbClr val="00B050"/>
+                </a:solidFill>
+              </a:rPr>
+              <a:t>, </a:t>
+            </a:r>
+            <a:r>
+              <a:rPr lang="ko-KR" altLang="en-US" b="1" dirty="0" smtClean="0">
+                <a:solidFill>
+                  <a:srgbClr val="00B050"/>
+                </a:solidFill>
+              </a:rPr>
+              <a:t>노트북 </a:t>
+            </a:r>
+            <a:r>
+              <a:rPr lang="en-US" altLang="ko-KR" b="1" dirty="0" smtClean="0">
+                <a:solidFill>
+                  <a:srgbClr val="00B050"/>
+                </a:solidFill>
+              </a:rPr>
+              <a:t>2)</a:t>
             </a:r>
             <a:endParaRPr lang="en-US" altLang="ko-KR" b="1" dirty="0">
               <a:solidFill>
@@ -31112,13 +31237,22 @@
               <a:defRPr/>
             </a:pPr>
             <a:r>
+              <a:rPr lang="ko-KR" altLang="en-US" sz="1600" dirty="0" smtClean="0">
+                <a:solidFill>
+                  <a:srgbClr val="FF0000"/>
+                </a:solidFill>
+                <a:ea typeface="굴림" panose="020B0600000101010101" pitchFamily="50" charset="-127"/>
+              </a:rPr>
+              <a:t>우리는 학습이 수렴하는 구간의 최종 </a:t>
+            </a:r>
+            <a:r>
               <a:rPr lang="en-US" altLang="ko-KR" sz="1600" dirty="0" smtClean="0">
                 <a:solidFill>
                   <a:srgbClr val="FF0000"/>
                 </a:solidFill>
                 <a:ea typeface="굴림" panose="020B0600000101010101" pitchFamily="50" charset="-127"/>
               </a:rPr>
-              <a:t>Reward factor</a:t>
+              <a:t>SOC </a:t>
             </a:r>
             <a:r>
               <a:rPr lang="ko-KR" altLang="en-US" sz="1600" dirty="0" smtClean="0">
@@ -31127,7 +31261,7 @@
                 </a:solidFill>
                 <a:ea typeface="굴림" panose="020B0600000101010101" pitchFamily="50" charset="-127"/>
               </a:rPr>
-              <a:t>에 따른 </a:t>
+              <a:t>분포를 통해서 </a:t>
             </a:r>
             <a:r>
               <a:rPr lang="en-US" altLang="ko-KR" sz="1600" dirty="0" smtClean="0">
@@ -31136,7 +31270,7 @@
                 </a:solidFill>
                 <a:ea typeface="굴림" panose="020B0600000101010101" pitchFamily="50" charset="-127"/>
               </a:rPr>
-              <a:t>energy management</a:t>
+              <a:t>reward factor</a:t>
             </a:r>
             <a:r>
               <a:rPr lang="ko-KR" altLang="en-US" sz="1600" dirty="0" smtClean="0">
@@ -31145,7 +31279,7 @@
                 </a:solidFill>
                 <a:ea typeface="굴림" panose="020B0600000101010101" pitchFamily="50" charset="-127"/>
               </a:rPr>
-              <a:t>의</a:t>
+              <a:t>를 반복적으로 조정하여 </a:t>
             </a:r>
             <a:r>
               <a:rPr lang="en-US" altLang="ko-KR" sz="1600" dirty="0" smtClean="0">
@@ -31154,8 +31288,16 @@
                 </a:solidFill>
                 <a:ea typeface="굴림" panose="020B0600000101010101" pitchFamily="50" charset="-127"/>
               </a:rPr>
-              <a:t> </a:t>
-            </a:r>
+              <a:t/>
+            </a:r>
+            <a:br>
+              <a:rPr lang="en-US" altLang="ko-KR" sz="1600" dirty="0" smtClean="0">
+                <a:solidFill>
+                  <a:srgbClr val="FF0000"/>
+                </a:solidFill>
+                <a:ea typeface="굴림" panose="020B0600000101010101" pitchFamily="50" charset="-127"/>
+              </a:rPr>
+            </a:br>
             <a:r>
               <a:rPr lang="ko-KR" altLang="en-US" sz="1600" dirty="0" smtClean="0">
                 <a:solidFill>
@@ -31163,34 +31305,8 @@
                 </a:solidFill>
                 <a:ea typeface="굴림" panose="020B0600000101010101" pitchFamily="50" charset="-127"/>
               </a:rPr>
-              <a:t>거동 실험 진행 </a:t>
-            </a:r>
-            <a:endParaRPr lang="en-US" altLang="ko-KR" sz="1600" dirty="0" smtClean="0">
-              <a:solidFill>
-                <a:srgbClr val="FF0000"/>
-              </a:solidFill>
-              <a:ea typeface="굴림" panose="020B0600000101010101" pitchFamily="50" charset="-127"/>
-            </a:endParaRPr>
-          </a:p>
-          <a:p>
-            <a:pPr marL="342900" indent="-342900">
-              <a:buFont typeface="Arial" panose="020B0604020202020204" pitchFamily="34" charset="0"/>
-              <a:buChar char="•"/>
-              <a:defRPr/>
-            </a:pPr>
-            <a:endParaRPr lang="en-US" altLang="ko-KR" sz="1600" dirty="0" smtClean="0">
-              <a:solidFill>
-                <a:srgbClr val="FF0000"/>
-              </a:solidFill>
-              <a:ea typeface="굴림" panose="020B0600000101010101" pitchFamily="50" charset="-127"/>
-            </a:endParaRPr>
-          </a:p>
-          <a:p>
-            <a:pPr marL="342900" indent="-342900">
-              <a:buFont typeface="Arial" panose="020B0604020202020204" pitchFamily="34" charset="0"/>
-              <a:buChar char="•"/>
-              <a:defRPr/>
-            </a:pPr>
+              <a:t>최적의 </a:t>
+            </a:r>
             <a:r>
               <a:rPr lang="en-US" altLang="ko-KR" sz="1600" dirty="0" smtClean="0">
                 <a:solidFill>
@@ -31198,7 +31314,7 @@
                 </a:solidFill>
                 <a:ea typeface="굴림" panose="020B0600000101010101" pitchFamily="50" charset="-127"/>
               </a:rPr>
-              <a:t>Reward factor</a:t>
+              <a:t>reward factor</a:t>
             </a:r>
             <a:r>
               <a:rPr lang="ko-KR" altLang="en-US" sz="1600" dirty="0" smtClean="0">
@@ -31207,43 +31323,7 @@
                 </a:solidFill>
                 <a:ea typeface="굴림" panose="020B0600000101010101" pitchFamily="50" charset="-127"/>
               </a:rPr>
-              <a:t>는 사람이</a:t>
-            </a:r>
-            <a:r>
-              <a:rPr lang="en-US" altLang="ko-KR" sz="1600" dirty="0" smtClean="0">
-                <a:solidFill>
-                  <a:srgbClr val="FF0000"/>
-                </a:solidFill>
-                <a:ea typeface="굴림" panose="020B0600000101010101" pitchFamily="50" charset="-127"/>
-              </a:rPr>
-              <a:t> agent</a:t>
-            </a:r>
-            <a:r>
-              <a:rPr lang="ko-KR" altLang="en-US" sz="1600" dirty="0" smtClean="0">
-                <a:solidFill>
-                  <a:srgbClr val="FF0000"/>
-                </a:solidFill>
-                <a:ea typeface="굴림" panose="020B0600000101010101" pitchFamily="50" charset="-127"/>
-              </a:rPr>
-              <a:t>에게 학습방향성을 전달하는 </a:t>
-            </a:r>
-            <a:r>
-              <a:rPr lang="en-US" altLang="ko-KR" sz="1600" dirty="0" smtClean="0">
-                <a:solidFill>
-                  <a:srgbClr val="FF0000"/>
-                </a:solidFill>
-                <a:ea typeface="굴림" panose="020B0600000101010101" pitchFamily="50" charset="-127"/>
-              </a:rPr>
-              <a:t>rule</a:t>
-            </a:r>
-            <a:r>
-              <a:rPr lang="ko-KR" altLang="en-US" sz="1600" dirty="0" smtClean="0">
-                <a:solidFill>
-                  <a:srgbClr val="FF0000"/>
-                </a:solidFill>
-                <a:ea typeface="굴림" panose="020B0600000101010101" pitchFamily="50" charset="-127"/>
-              </a:rPr>
-              <a:t>임 </a:t>
+              <a:t>를 도출하는 방법론을 개발함 </a:t>
             </a:r>
             <a:endParaRPr lang="en-US" altLang="ko-KR" sz="1600" dirty="0" smtClean="0">
               <a:solidFill>
@@ -31278,7 +31358,7 @@
                 </a:solidFill>
                 <a:ea typeface="굴림" panose="020B0600000101010101" pitchFamily="50" charset="-127"/>
               </a:rPr>
-              <a:t>따라서 우리는 사람의 주관 관여하지 않고 최적의 </a:t>
+              <a:t>이러한 방법론을 통해서 문제 상황에 따라 자동으로 </a:t>
             </a:r>
             <a:r>
               <a:rPr lang="en-US" altLang="ko-KR" sz="1600" dirty="0" smtClean="0">
@@ -31296,8 +31376,19 @@
                 </a:solidFill>
                 <a:ea typeface="굴림" panose="020B0600000101010101" pitchFamily="50" charset="-127"/>
               </a:rPr>
-              <a:t>를 도출하기 위한 방법론을 도출함 </a:t>
-            </a:r>
+              <a:t>를 도출할 수 있음</a:t>
+            </a:r>
+            <a:endParaRPr lang="en-US" altLang="ko-KR" sz="1600" dirty="0" smtClean="0">
+              <a:solidFill>
+                <a:srgbClr val="FF0000"/>
+              </a:solidFill>
+              <a:ea typeface="굴림" panose="020B0600000101010101" pitchFamily="50" charset="-127"/>
+            </a:endParaRPr>
+          </a:p>
+          <a:p>
+            <a:pPr>
+              <a:defRPr/>
+            </a:pPr>
             <a:endParaRPr lang="en-US" altLang="ko-KR" sz="1600" dirty="0" smtClean="0">
               <a:solidFill>
                 <a:srgbClr val="FF0000"/>
@@ -31341,7 +31432,7 @@
         </p:nvSpPr>
         <p:spPr>
           <a:xfrm>
-            <a:off x="570546" y="4135651"/>
+            <a:off x="6849168" y="2054122"/>
             <a:ext cx="5342832" cy="923330"/>
           </a:xfrm>
           <a:prstGeom prst="rect">
@@ -31367,15 +31458,7 @@
                   <a:srgbClr val="00B050"/>
                 </a:solidFill>
               </a:rPr>
-              <a:t>이론과 그림 </a:t>
-            </a:r>
-            <a:r>
-              <a:rPr lang="ko-KR" altLang="en-US" b="1" dirty="0" smtClean="0">
-                <a:solidFill>
-                  <a:srgbClr val="00B050"/>
-                </a:solidFill>
-              </a:rPr>
-              <a:t>설명 </a:t>
+              <a:t>이론과 그림 설명 </a:t>
             </a:r>
             <a:r>
               <a:rPr lang="en-US" altLang="ko-KR" b="1" dirty="0" smtClean="0">
@@ -31444,6 +31527,159 @@
                 <a:srgbClr val="00B050"/>
               </a:solidFill>
             </a:endParaRPr>
+          </a:p>
+        </p:txBody>
+      </p:sp>
+      <p:cxnSp>
+        <p:nvCxnSpPr>
+          <p:cNvPr id="3" name="직선 화살표 연결선 2"/>
+          <p:cNvCxnSpPr/>
+          <p:nvPr/>
+        </p:nvCxnSpPr>
+        <p:spPr>
+          <a:xfrm>
+            <a:off x="1115616" y="4341975"/>
+            <a:ext cx="2225461" cy="0"/>
+          </a:xfrm>
+          <a:prstGeom prst="straightConnector1">
+            <a:avLst/>
+          </a:prstGeom>
+          <a:ln>
+            <a:tailEnd type="triangle"/>
+          </a:ln>
+        </p:spPr>
+        <p:style>
+          <a:lnRef idx="1">
+            <a:schemeClr val="accent1"/>
+          </a:lnRef>
+          <a:fillRef idx="0">
+            <a:schemeClr val="accent1"/>
+          </a:fillRef>
+          <a:effectRef idx="0">
+            <a:schemeClr val="accent1"/>
+          </a:effectRef>
+          <a:fontRef idx="minor">
+            <a:schemeClr val="tx1"/>
+          </a:fontRef>
+        </p:style>
+      </p:cxnSp>
+      <p:cxnSp>
+        <p:nvCxnSpPr>
+          <p:cNvPr id="6" name="직선 화살표 연결선 5"/>
+          <p:cNvCxnSpPr/>
+          <p:nvPr/>
+        </p:nvCxnSpPr>
+        <p:spPr>
+          <a:xfrm flipV="1">
+            <a:off x="1115616" y="3191608"/>
+            <a:ext cx="0" cy="1150367"/>
+          </a:xfrm>
+          <a:prstGeom prst="straightConnector1">
+            <a:avLst/>
+          </a:prstGeom>
+          <a:ln>
+            <a:tailEnd type="triangle"/>
+          </a:ln>
+        </p:spPr>
+        <p:style>
+          <a:lnRef idx="1">
+            <a:schemeClr val="accent1"/>
+          </a:lnRef>
+          <a:fillRef idx="0">
+            <a:schemeClr val="accent1"/>
+          </a:fillRef>
+          <a:effectRef idx="0">
+            <a:schemeClr val="accent1"/>
+          </a:effectRef>
+          <a:fontRef idx="minor">
+            <a:schemeClr val="tx1"/>
+          </a:fontRef>
+        </p:style>
+      </p:cxnSp>
+      <p:sp>
+        <p:nvSpPr>
+          <p:cNvPr id="9" name="자유형 8"/>
+          <p:cNvSpPr/>
+          <p:nvPr/>
+        </p:nvSpPr>
+        <p:spPr>
+          <a:xfrm>
+            <a:off x="1115615" y="3545339"/>
+            <a:ext cx="1441938" cy="838867"/>
+          </a:xfrm>
+          <a:custGeom>
+            <a:avLst/>
+            <a:gdLst>
+              <a:gd name="connsiteX0" fmla="*/ 0 w 1441938"/>
+              <a:gd name="connsiteY0" fmla="*/ 838867 h 838867"/>
+              <a:gd name="connsiteX1" fmla="*/ 334107 w 1441938"/>
+              <a:gd name="connsiteY1" fmla="*/ 91520 h 838867"/>
+              <a:gd name="connsiteX2" fmla="*/ 1441938 w 1441938"/>
+              <a:gd name="connsiteY2" fmla="*/ 12390 h 838867"/>
+              <a:gd name="connsiteX3" fmla="*/ 1441938 w 1441938"/>
+              <a:gd name="connsiteY3" fmla="*/ 12390 h 838867"/>
+            </a:gdLst>
+            <a:ahLst/>
+            <a:cxnLst>
+              <a:cxn ang="0">
+                <a:pos x="connsiteX0" y="connsiteY0"/>
+              </a:cxn>
+              <a:cxn ang="0">
+                <a:pos x="connsiteX1" y="connsiteY1"/>
+              </a:cxn>
+              <a:cxn ang="0">
+                <a:pos x="connsiteX2" y="connsiteY2"/>
+              </a:cxn>
+              <a:cxn ang="0">
+                <a:pos x="connsiteX3" y="connsiteY3"/>
+              </a:cxn>
+            </a:cxnLst>
+            <a:rect l="l" t="t" r="r" b="b"/>
+            <a:pathLst>
+              <a:path w="1441938" h="838867">
+                <a:moveTo>
+                  <a:pt x="0" y="838867"/>
+                </a:moveTo>
+                <a:cubicBezTo>
+                  <a:pt x="46892" y="534066"/>
+                  <a:pt x="93784" y="229266"/>
+                  <a:pt x="334107" y="91520"/>
+                </a:cubicBezTo>
+                <a:cubicBezTo>
+                  <a:pt x="574430" y="-46226"/>
+                  <a:pt x="1441938" y="12390"/>
+                  <a:pt x="1441938" y="12390"/>
+                </a:cubicBezTo>
+                <a:lnTo>
+                  <a:pt x="1441938" y="12390"/>
+                </a:lnTo>
+              </a:path>
+            </a:pathLst>
+          </a:custGeom>
+          <a:noFill/>
+        </p:spPr>
+        <p:style>
+          <a:lnRef idx="2">
+            <a:schemeClr val="accent1">
+              <a:shade val="50000"/>
+            </a:schemeClr>
+          </a:lnRef>
+          <a:fillRef idx="1">
+            <a:schemeClr val="accent1"/>
+          </a:fillRef>
+          <a:effectRef idx="0">
+            <a:schemeClr val="accent1"/>
+          </a:effectRef>
+          <a:fontRef idx="minor">
+            <a:schemeClr val="lt1"/>
+          </a:fontRef>
+        </p:style>
+        <p:txBody>
+          <a:bodyPr rtlCol="0" anchor="ctr"/>
+          <a:lstStyle/>
+          <a:p>
+            <a:pPr algn="ctr"/>
+            <a:endParaRPr lang="ko-KR" altLang="en-US"/>
           </a:p>
         </p:txBody>
       </p:sp>
